--- a/DS6306_CaseStudy01.pptx
+++ b/DS6306_CaseStudy01.pptx
@@ -364,7 +364,7 @@
           <a:p>
             <a:fld id="{9184DA70-C731-4C70-880D-CCD4705E623C}" type="datetime1">
               <a:rPr lang="en-US" smtClean="0"/>
-              <a:t>6/13/2021</a:t>
+              <a:t>6/19/2021</a:t>
             </a:fld>
             <a:endParaRPr lang="en-US" dirty="0"/>
           </a:p>
@@ -552,7 +552,7 @@
           <a:p>
             <a:fld id="{B612A279-0833-481D-8C56-F67FD0AC6C50}" type="datetime1">
               <a:rPr lang="en-US" smtClean="0"/>
-              <a:t>6/13/2021</a:t>
+              <a:t>6/19/2021</a:t>
             </a:fld>
             <a:endParaRPr lang="en-US" dirty="0"/>
           </a:p>
@@ -794,7 +794,7 @@
           <a:p>
             <a:fld id="{6587DA83-5663-4C9C-B9AA-0B40A3DAFF81}" type="datetime1">
               <a:rPr lang="en-US" smtClean="0"/>
-              <a:t>6/13/2021</a:t>
+              <a:t>6/19/2021</a:t>
             </a:fld>
             <a:endParaRPr lang="en-US" dirty="0"/>
           </a:p>
@@ -982,7 +982,7 @@
           <a:p>
             <a:fld id="{4BE1D723-8F53-4F53-90B0-1982A396982E}" type="datetime1">
               <a:rPr lang="en-US" smtClean="0"/>
-              <a:t>6/13/2021</a:t>
+              <a:t>6/19/2021</a:t>
             </a:fld>
             <a:endParaRPr lang="en-US" dirty="0"/>
           </a:p>
@@ -1355,7 +1355,7 @@
           <a:p>
             <a:fld id="{97669AF7-7BEB-44E4-9852-375E34362B5B}" type="datetime1">
               <a:rPr lang="en-US" smtClean="0"/>
-              <a:t>6/13/2021</a:t>
+              <a:t>6/19/2021</a:t>
             </a:fld>
             <a:endParaRPr lang="en-US" dirty="0"/>
           </a:p>
@@ -1610,7 +1610,7 @@
           <a:p>
             <a:fld id="{BAAAC38D-0552-4C82-B593-E6124DFADBE2}" type="datetime1">
               <a:rPr lang="en-US" smtClean="0"/>
-              <a:t>6/13/2021</a:t>
+              <a:t>6/19/2021</a:t>
             </a:fld>
             <a:endParaRPr lang="en-US" dirty="0"/>
           </a:p>
@@ -2007,7 +2007,7 @@
           <a:p>
             <a:fld id="{D9DF0F1C-5577-4ACB-BB62-DF8F3C494C7E}" type="datetime1">
               <a:rPr lang="en-US" smtClean="0"/>
-              <a:t>6/13/2021</a:t>
+              <a:t>6/19/2021</a:t>
             </a:fld>
             <a:endParaRPr lang="en-US" dirty="0"/>
           </a:p>
@@ -2143,7 +2143,7 @@
           <a:p>
             <a:fld id="{1775B394-D9F9-4F0C-B15D-605F45CB9E9F}" type="datetime1">
               <a:rPr lang="en-US" smtClean="0"/>
-              <a:t>6/13/2021</a:t>
+              <a:t>6/19/2021</a:t>
             </a:fld>
             <a:endParaRPr lang="en-US" dirty="0"/>
           </a:p>
@@ -2300,7 +2300,7 @@
           <a:p>
             <a:fld id="{39667345-2558-425A-8533-9BFDBCE15005}" type="datetime1">
               <a:rPr lang="en-US" smtClean="0"/>
-              <a:t>6/13/2021</a:t>
+              <a:t>6/19/2021</a:t>
             </a:fld>
             <a:endParaRPr lang="en-US" dirty="0"/>
           </a:p>
@@ -2629,7 +2629,7 @@
           <a:p>
             <a:fld id="{92BEA474-078D-4E9B-9B14-09A87B19DC46}" type="datetime1">
               <a:rPr lang="en-US" smtClean="0"/>
-              <a:t>6/13/2021</a:t>
+              <a:t>6/19/2021</a:t>
             </a:fld>
             <a:endParaRPr lang="en-US" dirty="0"/>
           </a:p>
@@ -2979,7 +2979,7 @@
           <a:p>
             <a:fld id="{4907D986-8816-4272-A432-0437A28A9828}" type="datetime1">
               <a:rPr lang="en-US" smtClean="0"/>
-              <a:t>6/13/2021</a:t>
+              <a:t>6/19/2021</a:t>
             </a:fld>
             <a:endParaRPr lang="en-US" dirty="0"/>
           </a:p>
@@ -3240,7 +3240,7 @@
           <a:p>
             <a:fld id="{62D6E202-B606-4609-B914-27C9371A1F6D}" type="datetime1">
               <a:rPr lang="en-US" smtClean="0"/>
-              <a:t>6/13/2021</a:t>
+              <a:t>6/19/2021</a:t>
             </a:fld>
             <a:endParaRPr lang="en-US" dirty="0"/>
           </a:p>
@@ -8424,7 +8424,7 @@
         </p:spPr>
         <p:txBody>
           <a:bodyPr>
-            <a:normAutofit lnSpcReduction="10000"/>
+            <a:normAutofit/>
           </a:bodyPr>
           <a:lstStyle/>
           <a:p>
@@ -8436,7 +8436,7 @@
           <a:p>
             <a:r>
               <a:rPr lang="en-US" dirty="0"/>
-              <a:t>IBU has 1005 missing values (~41.7%). The approach to dealing with these will be addressed on a case-by-case basis.  </a:t>
+              <a:t>IBU has 1005 missing values (~41.7%). Will remove these values from analysis.</a:t>
             </a:r>
           </a:p>
         </p:txBody>
@@ -8577,23 +8577,23 @@
         </p:nvSpPr>
         <p:spPr>
           <a:xfrm>
-            <a:off x="1097280" y="2120900"/>
-            <a:ext cx="3174683" cy="3748193"/>
+            <a:off x="238979" y="2261145"/>
+            <a:ext cx="2369586" cy="3748193"/>
           </a:xfrm>
         </p:spPr>
         <p:txBody>
           <a:bodyPr>
-            <a:normAutofit/>
+            <a:normAutofit fontScale="70000" lnSpcReduction="20000"/>
           </a:bodyPr>
           <a:lstStyle/>
           <a:p>
             <a:r>
               <a:rPr lang="en-US" dirty="0"/>
-              <a:t>Top 5 States</a:t>
-            </a:r>
-          </a:p>
-          <a:p>
-            <a:pPr marL="457200" indent="-457200">
+              <a:t>Top States</a:t>
+            </a:r>
+          </a:p>
+          <a:p>
+            <a:pPr marL="749808" lvl="1" indent="-457200">
               <a:buFont typeface="+mj-lt"/>
               <a:buAutoNum type="arabicPeriod"/>
             </a:pPr>
@@ -8603,7 +8603,7 @@
             </a:r>
           </a:p>
           <a:p>
-            <a:pPr marL="457200" indent="-457200">
+            <a:pPr marL="749808" lvl="1" indent="-457200">
               <a:buFont typeface="+mj-lt"/>
               <a:buAutoNum type="arabicPeriod"/>
             </a:pPr>
@@ -8613,7 +8613,7 @@
             </a:r>
           </a:p>
           <a:p>
-            <a:pPr marL="457200" indent="-457200">
+            <a:pPr marL="749808" lvl="1" indent="-457200">
               <a:buFont typeface="+mj-lt"/>
               <a:buAutoNum type="arabicPeriod"/>
             </a:pPr>
@@ -8623,7 +8623,7 @@
             </a:r>
           </a:p>
           <a:p>
-            <a:pPr marL="457200" indent="-457200">
+            <a:pPr marL="749808" lvl="1" indent="-457200">
               <a:buFont typeface="+mj-lt"/>
               <a:buAutoNum type="arabicPeriod"/>
             </a:pPr>
@@ -8633,7 +8633,7 @@
             </a:r>
           </a:p>
           <a:p>
-            <a:pPr marL="457200" indent="-457200">
+            <a:pPr marL="749808" lvl="1" indent="-457200">
               <a:buFont typeface="+mj-lt"/>
               <a:buAutoNum type="arabicPeriod"/>
             </a:pPr>
@@ -8641,15 +8641,107 @@
               <a:rPr lang="en-US" dirty="0"/>
               <a:t>Texas (28)</a:t>
             </a:r>
+          </a:p>
+          <a:p>
+            <a:pPr marL="0" indent="0">
+              <a:buNone/>
+            </a:pPr>
+            <a:r>
+              <a:rPr lang="en-US" dirty="0"/>
+              <a:t>Bottom States</a:t>
+            </a:r>
+          </a:p>
+          <a:p>
+            <a:pPr marL="749808" lvl="1" indent="-457200">
+              <a:buFont typeface="+mj-lt"/>
+              <a:buAutoNum type="arabicPeriod"/>
+            </a:pPr>
+            <a:r>
+              <a:rPr lang="en-US" dirty="0"/>
+              <a:t>District of Columbia (1)</a:t>
+            </a:r>
+          </a:p>
+          <a:p>
+            <a:pPr marL="749808" lvl="1" indent="-457200">
+              <a:buFont typeface="+mj-lt"/>
+              <a:buAutoNum type="arabicPeriod"/>
+            </a:pPr>
+            <a:r>
+              <a:rPr lang="en-US" dirty="0"/>
+              <a:t>North Dakota (1)</a:t>
+            </a:r>
+          </a:p>
+          <a:p>
+            <a:pPr marL="749808" lvl="1" indent="-457200">
+              <a:buFont typeface="+mj-lt"/>
+              <a:buAutoNum type="arabicPeriod"/>
+            </a:pPr>
+            <a:r>
+              <a:rPr lang="en-US" dirty="0"/>
+              <a:t>South Dakota (1)</a:t>
+            </a:r>
+          </a:p>
+          <a:p>
+            <a:pPr marL="749808" lvl="1" indent="-457200">
+              <a:buFont typeface="+mj-lt"/>
+              <a:buAutoNum type="arabicPeriod"/>
+            </a:pPr>
+            <a:r>
+              <a:rPr lang="en-US" dirty="0"/>
+              <a:t>West Virginia (1)</a:t>
+            </a:r>
+          </a:p>
+          <a:p>
+            <a:pPr marL="749808" lvl="1" indent="-457200">
+              <a:buFont typeface="+mj-lt"/>
+              <a:buAutoNum type="arabicPeriod"/>
+            </a:pPr>
+            <a:r>
+              <a:rPr lang="en-US" dirty="0"/>
+              <a:t>Arkansas (2)</a:t>
+            </a:r>
+          </a:p>
+          <a:p>
+            <a:pPr marL="749808" lvl="1" indent="-457200">
+              <a:buFont typeface="+mj-lt"/>
+              <a:buAutoNum type="arabicPeriod"/>
+            </a:pPr>
+            <a:r>
+              <a:rPr lang="en-US" dirty="0"/>
+              <a:t>Delaware (2)</a:t>
+            </a:r>
+          </a:p>
+          <a:p>
+            <a:pPr marL="749808" lvl="1" indent="-457200">
+              <a:buFont typeface="+mj-lt"/>
+              <a:buAutoNum type="arabicPeriod"/>
+            </a:pPr>
+            <a:r>
+              <a:rPr lang="en-US" dirty="0"/>
+              <a:t>Mississippi (2)</a:t>
+            </a:r>
+          </a:p>
+          <a:p>
+            <a:pPr marL="749808" lvl="1" indent="-457200">
+              <a:buFont typeface="+mj-lt"/>
+              <a:buAutoNum type="arabicPeriod"/>
+            </a:pPr>
+            <a:r>
+              <a:rPr lang="en-US" dirty="0"/>
+              <a:t>Nevada (2)</a:t>
+            </a:r>
+          </a:p>
+          <a:p>
+            <a:endParaRPr lang="en-US" dirty="0"/>
           </a:p>
         </p:txBody>
       </p:sp>
       <p:pic>
         <p:nvPicPr>
-          <p:cNvPr id="9" name="Content Placeholder 8">
+          <p:cNvPr id="21" name="Content Placeholder 20">
             <a:extLst>
               <a:ext uri="{FF2B5EF4-FFF2-40B4-BE49-F238E27FC236}">
-                <a16:creationId xmlns:a16="http://schemas.microsoft.com/office/drawing/2014/main" id="{68286BFE-3B26-4288-9797-331F1F45C3F1}"/>
+                <a16:creationId xmlns:a16="http://schemas.microsoft.com/office/drawing/2014/main" id="{539B6BD9-DC5D-4596-88E6-DFF557947D58}"/>
               </a:ext>
             </a:extLst>
           </p:cNvPr>
@@ -8668,14 +8760,103 @@
         </p:blipFill>
         <p:spPr>
           <a:xfrm>
-            <a:off x="4404019" y="2049462"/>
-            <a:ext cx="7600994" cy="4258469"/>
+            <a:off x="2655869" y="2412220"/>
+            <a:ext cx="5316183" cy="3101107"/>
           </a:xfrm>
           <a:prstGeom prst="rect">
             <a:avLst/>
           </a:prstGeom>
         </p:spPr>
       </p:pic>
+      <p:sp>
+        <p:nvSpPr>
+          <p:cNvPr id="22" name="TextBox 21">
+            <a:extLst>
+              <a:ext uri="{FF2B5EF4-FFF2-40B4-BE49-F238E27FC236}">
+                <a16:creationId xmlns:a16="http://schemas.microsoft.com/office/drawing/2014/main" id="{18D67F0F-6C3E-44CB-9C88-9745E04D78C3}"/>
+              </a:ext>
+            </a:extLst>
+          </p:cNvPr>
+          <p:cNvSpPr txBox="1"/>
+          <p:nvPr/>
+        </p:nvSpPr>
+        <p:spPr>
+          <a:xfrm>
+            <a:off x="7972051" y="2204658"/>
+            <a:ext cx="3980969" cy="2585323"/>
+          </a:xfrm>
+          <a:prstGeom prst="rect">
+            <a:avLst/>
+          </a:prstGeom>
+          <a:noFill/>
+        </p:spPr>
+        <p:txBody>
+          <a:bodyPr wrap="square" rtlCol="0">
+            <a:spAutoFit/>
+          </a:bodyPr>
+          <a:lstStyle/>
+          <a:p>
+            <a:pPr marL="285750" indent="-285750">
+              <a:buFont typeface="Arial" panose="020B0604020202020204" pitchFamily="34" charset="0"/>
+              <a:buChar char="•"/>
+            </a:pPr>
+            <a:r>
+              <a:rPr lang="en-US" dirty="0"/>
+              <a:t>There are a total of 558 breweries for this analysis</a:t>
+            </a:r>
+          </a:p>
+          <a:p>
+            <a:pPr marL="285750" indent="-285750">
+              <a:buFont typeface="Arial" panose="020B0604020202020204" pitchFamily="34" charset="0"/>
+              <a:buChar char="•"/>
+            </a:pPr>
+            <a:r>
+              <a:rPr lang="en-US" dirty="0"/>
+              <a:t>The top 5 states account for about 30% of data, top 10% account for about (50%)</a:t>
+            </a:r>
+          </a:p>
+          <a:p>
+            <a:pPr marL="285750" indent="-285750">
+              <a:buFont typeface="Arial" panose="020B0604020202020204" pitchFamily="34" charset="0"/>
+              <a:buChar char="•"/>
+            </a:pPr>
+            <a:r>
+              <a:rPr lang="en-US" dirty="0"/>
+              <a:t>Breweries are most popular:</a:t>
+            </a:r>
+          </a:p>
+          <a:p>
+            <a:pPr marL="742950" lvl="1" indent="-285750">
+              <a:buFont typeface="Arial" panose="020B0604020202020204" pitchFamily="34" charset="0"/>
+              <a:buChar char="•"/>
+            </a:pPr>
+            <a:r>
+              <a:rPr lang="en-US" dirty="0"/>
+              <a:t>West Coast (3 of top ten)</a:t>
+            </a:r>
+          </a:p>
+          <a:p>
+            <a:pPr marL="742950" lvl="1" indent="-285750">
+              <a:buFont typeface="Arial" panose="020B0604020202020204" pitchFamily="34" charset="0"/>
+              <a:buChar char="•"/>
+            </a:pPr>
+            <a:r>
+              <a:rPr lang="en-US" dirty="0"/>
+              <a:t>Great Lakes Area (3 of top ten)</a:t>
+            </a:r>
+          </a:p>
+          <a:p>
+            <a:pPr marL="742950" lvl="1" indent="-285750">
+              <a:buFont typeface="Arial" panose="020B0604020202020204" pitchFamily="34" charset="0"/>
+              <a:buChar char="•"/>
+            </a:pPr>
+            <a:r>
+              <a:rPr lang="en-US" dirty="0"/>
+              <a:t>Colorado (Top State)</a:t>
+            </a:r>
+          </a:p>
+        </p:txBody>
+      </p:sp>
     </p:spTree>
     <p:extLst>
       <p:ext uri="{BB962C8B-B14F-4D97-AF65-F5344CB8AC3E}">
@@ -8752,7 +8933,7 @@
         </p:nvSpPr>
         <p:spPr>
           <a:xfrm>
-            <a:off x="1097280" y="2120900"/>
+            <a:off x="171661" y="2233097"/>
             <a:ext cx="3346133" cy="3748193"/>
           </a:xfrm>
         </p:spPr>
@@ -8902,14 +9083,105 @@
         </p:blipFill>
         <p:spPr>
           <a:xfrm>
-            <a:off x="4545505" y="1993107"/>
-            <a:ext cx="7192061" cy="4307441"/>
+            <a:off x="3042075" y="2065669"/>
+            <a:ext cx="5860704" cy="3510070"/>
           </a:xfrm>
           <a:prstGeom prst="rect">
             <a:avLst/>
           </a:prstGeom>
         </p:spPr>
       </p:pic>
+      <p:sp>
+        <p:nvSpPr>
+          <p:cNvPr id="5" name="TextBox 4">
+            <a:extLst>
+              <a:ext uri="{FF2B5EF4-FFF2-40B4-BE49-F238E27FC236}">
+                <a16:creationId xmlns:a16="http://schemas.microsoft.com/office/drawing/2014/main" id="{A722ABC8-6F7C-479A-B796-A4784A47B2B2}"/>
+              </a:ext>
+            </a:extLst>
+          </p:cNvPr>
+          <p:cNvSpPr txBox="1"/>
+          <p:nvPr/>
+        </p:nvSpPr>
+        <p:spPr>
+          <a:xfrm>
+            <a:off x="8902779" y="2056686"/>
+            <a:ext cx="3005581" cy="1477328"/>
+          </a:xfrm>
+          <a:prstGeom prst="rect">
+            <a:avLst/>
+          </a:prstGeom>
+          <a:noFill/>
+        </p:spPr>
+        <p:txBody>
+          <a:bodyPr wrap="square" rtlCol="0">
+            <a:spAutoFit/>
+          </a:bodyPr>
+          <a:lstStyle/>
+          <a:p>
+            <a:pPr marL="285750" indent="-285750">
+              <a:buFont typeface="Arial" panose="020B0604020202020204" pitchFamily="34" charset="0"/>
+              <a:buChar char="•"/>
+            </a:pPr>
+            <a:r>
+              <a:rPr lang="en-US" dirty="0"/>
+              <a:t>Alcohol Laws in Utah prevent ABV above 4%</a:t>
+            </a:r>
+          </a:p>
+          <a:p>
+            <a:pPr marL="285750" indent="-285750">
+              <a:buFont typeface="Arial" panose="020B0604020202020204" pitchFamily="34" charset="0"/>
+              <a:buChar char="•"/>
+            </a:pPr>
+            <a:r>
+              <a:rPr lang="en-US" dirty="0"/>
+              <a:t>The state with highest ABV beer is Colorado. </a:t>
+            </a:r>
+          </a:p>
+          <a:p>
+            <a:pPr marL="285750" indent="-285750">
+              <a:buFont typeface="Arial" panose="020B0604020202020204" pitchFamily="34" charset="0"/>
+              <a:buChar char="•"/>
+            </a:pPr>
+            <a:endParaRPr lang="en-US" dirty="0"/>
+          </a:p>
+        </p:txBody>
+      </p:sp>
+      <p:sp>
+        <p:nvSpPr>
+          <p:cNvPr id="6" name="TextBox 5">
+            <a:extLst>
+              <a:ext uri="{FF2B5EF4-FFF2-40B4-BE49-F238E27FC236}">
+                <a16:creationId xmlns:a16="http://schemas.microsoft.com/office/drawing/2014/main" id="{9D049A8D-D207-4EEC-8688-3AF8A4EB2266}"/>
+              </a:ext>
+            </a:extLst>
+          </p:cNvPr>
+          <p:cNvSpPr txBox="1"/>
+          <p:nvPr/>
+        </p:nvSpPr>
+        <p:spPr>
+          <a:xfrm>
+            <a:off x="0" y="5964052"/>
+            <a:ext cx="6703730" cy="369332"/>
+          </a:xfrm>
+          <a:prstGeom prst="rect">
+            <a:avLst/>
+          </a:prstGeom>
+          <a:noFill/>
+        </p:spPr>
+        <p:txBody>
+          <a:bodyPr wrap="square" rtlCol="0">
+            <a:spAutoFit/>
+          </a:bodyPr>
+          <a:lstStyle/>
+          <a:p>
+            <a:r>
+              <a:rPr lang="en-US" dirty="0"/>
+              <a:t>*    Missing Data was removed for analysis (62 / 2410 data points)</a:t>
+            </a:r>
+          </a:p>
+        </p:txBody>
+      </p:sp>
     </p:spTree>
     <p:extLst>
       <p:ext uri="{BB962C8B-B14F-4D97-AF65-F5344CB8AC3E}">
@@ -8986,7 +9258,7 @@
         </p:nvSpPr>
         <p:spPr>
           <a:xfrm>
-            <a:off x="1097280" y="2120900"/>
+            <a:off x="272634" y="2120900"/>
             <a:ext cx="3346133" cy="3748193"/>
           </a:xfrm>
         </p:spPr>
@@ -9112,12 +9384,102 @@
           </a:p>
         </p:txBody>
       </p:sp>
+      <p:sp>
+        <p:nvSpPr>
+          <p:cNvPr id="10" name="TextBox 9">
+            <a:extLst>
+              <a:ext uri="{FF2B5EF4-FFF2-40B4-BE49-F238E27FC236}">
+                <a16:creationId xmlns:a16="http://schemas.microsoft.com/office/drawing/2014/main" id="{7C8E7B76-F502-4CDA-8D69-AD770F0A1FF1}"/>
+              </a:ext>
+            </a:extLst>
+          </p:cNvPr>
+          <p:cNvSpPr txBox="1"/>
+          <p:nvPr/>
+        </p:nvSpPr>
+        <p:spPr>
+          <a:xfrm>
+            <a:off x="51450" y="5788898"/>
+            <a:ext cx="6943989" cy="646331"/>
+          </a:xfrm>
+          <a:prstGeom prst="rect">
+            <a:avLst/>
+          </a:prstGeom>
+          <a:noFill/>
+        </p:spPr>
+        <p:txBody>
+          <a:bodyPr wrap="square" rtlCol="0">
+            <a:spAutoFit/>
+          </a:bodyPr>
+          <a:lstStyle/>
+          <a:p>
+            <a:r>
+              <a:rPr lang="en-US" dirty="0"/>
+              <a:t>*    Missing Data was removed for analysis (1005 / 2410 data points)</a:t>
+            </a:r>
+          </a:p>
+          <a:p>
+            <a:r>
+              <a:rPr lang="en-US" dirty="0"/>
+              <a:t>** No Data Available for North Dakota</a:t>
+            </a:r>
+          </a:p>
+        </p:txBody>
+      </p:sp>
+      <p:sp>
+        <p:nvSpPr>
+          <p:cNvPr id="6" name="TextBox 5">
+            <a:extLst>
+              <a:ext uri="{FF2B5EF4-FFF2-40B4-BE49-F238E27FC236}">
+                <a16:creationId xmlns:a16="http://schemas.microsoft.com/office/drawing/2014/main" id="{5AA6278A-4FF1-44F3-A613-975C45400E88}"/>
+              </a:ext>
+            </a:extLst>
+          </p:cNvPr>
+          <p:cNvSpPr txBox="1"/>
+          <p:nvPr/>
+        </p:nvSpPr>
+        <p:spPr>
+          <a:xfrm>
+            <a:off x="8336187" y="2056686"/>
+            <a:ext cx="3572173" cy="1477328"/>
+          </a:xfrm>
+          <a:prstGeom prst="rect">
+            <a:avLst/>
+          </a:prstGeom>
+          <a:noFill/>
+        </p:spPr>
+        <p:txBody>
+          <a:bodyPr wrap="square" rtlCol="0">
+            <a:spAutoFit/>
+          </a:bodyPr>
+          <a:lstStyle/>
+          <a:p>
+            <a:pPr marL="285750" indent="-285750">
+              <a:buFont typeface="Arial" panose="020B0604020202020204" pitchFamily="34" charset="0"/>
+              <a:buChar char="•"/>
+            </a:pPr>
+            <a:r>
+              <a:rPr lang="en-US" dirty="0"/>
+              <a:t>East Coast has highest concentration of bitter beer.</a:t>
+            </a:r>
+          </a:p>
+          <a:p>
+            <a:pPr marL="285750" indent="-285750">
+              <a:buFont typeface="Arial" panose="020B0604020202020204" pitchFamily="34" charset="0"/>
+              <a:buChar char="•"/>
+            </a:pPr>
+            <a:r>
+              <a:rPr lang="en-US" dirty="0"/>
+              <a:t>The state with the single most bitter beer according to its IBU score is Oregon. </a:t>
+            </a:r>
+          </a:p>
+        </p:txBody>
+      </p:sp>
       <p:pic>
         <p:nvPicPr>
-          <p:cNvPr id="9" name="Content Placeholder 8">
+          <p:cNvPr id="16" name="Content Placeholder 15">
             <a:extLst>
               <a:ext uri="{FF2B5EF4-FFF2-40B4-BE49-F238E27FC236}">
-                <a16:creationId xmlns:a16="http://schemas.microsoft.com/office/drawing/2014/main" id="{14BB8B42-1464-479A-BC6E-FE3CA185C147}"/>
+                <a16:creationId xmlns:a16="http://schemas.microsoft.com/office/drawing/2014/main" id="{AA948774-6C97-441A-9404-139175359038}"/>
               </a:ext>
             </a:extLst>
           </p:cNvPr>
@@ -9136,55 +9498,14 @@
         </p:blipFill>
         <p:spPr>
           <a:xfrm>
-            <a:off x="4928178" y="2064544"/>
-            <a:ext cx="6955565" cy="4154413"/>
+            <a:off x="2819820" y="2058690"/>
+            <a:ext cx="5516367" cy="3437735"/>
           </a:xfrm>
           <a:prstGeom prst="rect">
             <a:avLst/>
           </a:prstGeom>
         </p:spPr>
       </p:pic>
-      <p:sp>
-        <p:nvSpPr>
-          <p:cNvPr id="10" name="TextBox 9">
-            <a:extLst>
-              <a:ext uri="{FF2B5EF4-FFF2-40B4-BE49-F238E27FC236}">
-                <a16:creationId xmlns:a16="http://schemas.microsoft.com/office/drawing/2014/main" id="{7C8E7B76-F502-4CDA-8D69-AD770F0A1FF1}"/>
-              </a:ext>
-            </a:extLst>
-          </p:cNvPr>
-          <p:cNvSpPr txBox="1"/>
-          <p:nvPr/>
-        </p:nvSpPr>
-        <p:spPr>
-          <a:xfrm>
-            <a:off x="814386" y="5783288"/>
-            <a:ext cx="4607719" cy="646331"/>
-          </a:xfrm>
-          <a:prstGeom prst="rect">
-            <a:avLst/>
-          </a:prstGeom>
-          <a:noFill/>
-        </p:spPr>
-        <p:txBody>
-          <a:bodyPr wrap="square" rtlCol="0">
-            <a:spAutoFit/>
-          </a:bodyPr>
-          <a:lstStyle/>
-          <a:p>
-            <a:r>
-              <a:rPr lang="en-US" dirty="0"/>
-              <a:t>*    Missing Data was removed for analysis</a:t>
-            </a:r>
-          </a:p>
-          <a:p>
-            <a:r>
-              <a:rPr lang="en-US" dirty="0"/>
-              <a:t>** No Data Available for North Dakota</a:t>
-            </a:r>
-          </a:p>
-        </p:txBody>
-      </p:sp>
     </p:spTree>
     <p:extLst>
       <p:ext uri="{BB962C8B-B14F-4D97-AF65-F5344CB8AC3E}">
@@ -9261,7 +9582,9 @@
         </p:nvSpPr>
         <p:spPr/>
         <p:txBody>
-          <a:bodyPr/>
+          <a:bodyPr>
+            <a:normAutofit fontScale="85000" lnSpcReduction="10000"/>
+          </a:bodyPr>
           <a:lstStyle/>
           <a:p>
             <a:r>
@@ -9270,6 +9593,13 @@
             </a:r>
           </a:p>
           <a:p>
+            <a:pPr lvl="1"/>
+            <a:r>
+              <a:rPr lang="en-US" dirty="0"/>
+              <a:t>Brewers typically add more hops to a beer with high alcohol content to help balance out the flavor by removing more of the ‘alcohol’ taste. </a:t>
+            </a:r>
+          </a:p>
+          <a:p>
             <a:r>
               <a:rPr lang="en-US" dirty="0"/>
               <a:t>Appears to be balance between IPA and Non-IPA ale beers</a:t>
@@ -9287,6 +9617,19 @@
             <a:r>
               <a:rPr lang="en-US" dirty="0"/>
               <a:t>Normalized data to Z score to help KNN classifier. </a:t>
+            </a:r>
+          </a:p>
+          <a:p>
+            <a:r>
+              <a:rPr lang="en-US" dirty="0"/>
+              <a:t>A clear separation can be seen between IBU and ABV when between the IPA ales and other ales. </a:t>
+            </a:r>
+          </a:p>
+          <a:p>
+            <a:pPr lvl="1"/>
+            <a:r>
+              <a:rPr lang="en-US" dirty="0"/>
+              <a:t>These are good values to use when trying to classify whether or not any Ale is an IPA. </a:t>
             </a:r>
           </a:p>
         </p:txBody>
@@ -9407,14 +9750,42 @@
               <a:t>IPA tend to have a higher IBU score than Non-IPA ales. </a:t>
             </a:r>
           </a:p>
+          <a:p>
+            <a:pPr lvl="1"/>
+            <a:r>
+              <a:rPr lang="en-US" dirty="0"/>
+              <a:t>IBU scores above ~75 are strong indicators that a beer is an IPA</a:t>
+            </a:r>
+          </a:p>
+          <a:p>
+            <a:pPr lvl="1"/>
+            <a:r>
+              <a:rPr lang="en-US" dirty="0"/>
+              <a:t>Alcohol content has a weak relationship to determining if a beer is an IPA</a:t>
+            </a:r>
+          </a:p>
+          <a:p>
+            <a:pPr lvl="2"/>
+            <a:r>
+              <a:rPr lang="en-US" dirty="0"/>
+              <a:t>More Hops =&gt; More Bitter Beer</a:t>
+            </a:r>
+          </a:p>
+          <a:p>
+            <a:pPr lvl="2"/>
+            <a:r>
+              <a:rPr lang="en-US" dirty="0"/>
+              <a:t>More Hops =/= More Sugar =&gt; More Alcohol </a:t>
+            </a:r>
+          </a:p>
         </p:txBody>
       </p:sp>
       <p:pic>
         <p:nvPicPr>
-          <p:cNvPr id="7" name="Content Placeholder 6">
+          <p:cNvPr id="8" name="Content Placeholder 7">
             <a:extLst>
               <a:ext uri="{FF2B5EF4-FFF2-40B4-BE49-F238E27FC236}">
-                <a16:creationId xmlns:a16="http://schemas.microsoft.com/office/drawing/2014/main" id="{6BC33F0D-C792-4FC3-A408-C76474326488}"/>
+                <a16:creationId xmlns:a16="http://schemas.microsoft.com/office/drawing/2014/main" id="{0E36F4BA-A610-426C-8F69-182AF8F60152}"/>
               </a:ext>
             </a:extLst>
           </p:cNvPr>
@@ -9433,8 +9804,8 @@
         </p:blipFill>
         <p:spPr>
           <a:xfrm>
-            <a:off x="5968798" y="1957388"/>
-            <a:ext cx="6002474" cy="4382293"/>
+            <a:off x="5816591" y="1916909"/>
+            <a:ext cx="6092708" cy="4448172"/>
           </a:xfrm>
         </p:spPr>
       </p:pic>
@@ -9520,7 +9891,7 @@
         </p:blipFill>
         <p:spPr>
           <a:xfrm>
-            <a:off x="1735933" y="1928365"/>
+            <a:off x="4064007" y="1894706"/>
             <a:ext cx="7860874" cy="4470670"/>
           </a:xfrm>
           <a:prstGeom prst="rect">
@@ -9528,6 +9899,50 @@
           </a:prstGeom>
         </p:spPr>
       </p:pic>
+      <p:sp>
+        <p:nvSpPr>
+          <p:cNvPr id="2" name="TextBox 1">
+            <a:extLst>
+              <a:ext uri="{FF2B5EF4-FFF2-40B4-BE49-F238E27FC236}">
+                <a16:creationId xmlns:a16="http://schemas.microsoft.com/office/drawing/2014/main" id="{7DE915B1-6072-47B7-B801-123FFE575544}"/>
+              </a:ext>
+            </a:extLst>
+          </p:cNvPr>
+          <p:cNvSpPr txBox="1"/>
+          <p:nvPr/>
+        </p:nvSpPr>
+        <p:spPr>
+          <a:xfrm>
+            <a:off x="527323" y="2154169"/>
+            <a:ext cx="3163936" cy="2308324"/>
+          </a:xfrm>
+          <a:prstGeom prst="rect">
+            <a:avLst/>
+          </a:prstGeom>
+          <a:noFill/>
+        </p:spPr>
+        <p:txBody>
+          <a:bodyPr wrap="square" rtlCol="0">
+            <a:spAutoFit/>
+          </a:bodyPr>
+          <a:lstStyle/>
+          <a:p>
+            <a:r>
+              <a:rPr lang="en-US" dirty="0"/>
+              <a:t>According to data, the most popular style of beer in the US is the IPA. </a:t>
+            </a:r>
+          </a:p>
+          <a:p>
+            <a:endParaRPr lang="en-US" dirty="0"/>
+          </a:p>
+          <a:p>
+            <a:r>
+              <a:rPr lang="en-US" dirty="0"/>
+              <a:t>The gulf coast and southeastern states do not share the same fondness of IPAs. </a:t>
+            </a:r>
+          </a:p>
+        </p:txBody>
+      </p:sp>
     </p:spTree>
     <p:extLst>
       <p:ext uri="{BB962C8B-B14F-4D97-AF65-F5344CB8AC3E}">

--- a/DS6306_CaseStudy01.pptx
+++ b/DS6306_CaseStudy01.pptx
@@ -14,6 +14,7 @@
     <p:sldId id="264" r:id="rId8"/>
     <p:sldId id="266" r:id="rId9"/>
     <p:sldId id="267" r:id="rId10"/>
+    <p:sldId id="269" r:id="rId11"/>
   </p:sldIdLst>
   <p:sldSz cx="12192000" cy="6858000"/>
   <p:notesSz cx="6858000" cy="9144000"/>
@@ -364,7 +365,7 @@
           <a:p>
             <a:fld id="{9184DA70-C731-4C70-880D-CCD4705E623C}" type="datetime1">
               <a:rPr lang="en-US" smtClean="0"/>
-              <a:t>6/19/2021</a:t>
+              <a:t>6/25/2021</a:t>
             </a:fld>
             <a:endParaRPr lang="en-US" dirty="0"/>
           </a:p>
@@ -552,7 +553,7 @@
           <a:p>
             <a:fld id="{B612A279-0833-481D-8C56-F67FD0AC6C50}" type="datetime1">
               <a:rPr lang="en-US" smtClean="0"/>
-              <a:t>6/19/2021</a:t>
+              <a:t>6/25/2021</a:t>
             </a:fld>
             <a:endParaRPr lang="en-US" dirty="0"/>
           </a:p>
@@ -794,7 +795,7 @@
           <a:p>
             <a:fld id="{6587DA83-5663-4C9C-B9AA-0B40A3DAFF81}" type="datetime1">
               <a:rPr lang="en-US" smtClean="0"/>
-              <a:t>6/19/2021</a:t>
+              <a:t>6/25/2021</a:t>
             </a:fld>
             <a:endParaRPr lang="en-US" dirty="0"/>
           </a:p>
@@ -982,7 +983,7 @@
           <a:p>
             <a:fld id="{4BE1D723-8F53-4F53-90B0-1982A396982E}" type="datetime1">
               <a:rPr lang="en-US" smtClean="0"/>
-              <a:t>6/19/2021</a:t>
+              <a:t>6/25/2021</a:t>
             </a:fld>
             <a:endParaRPr lang="en-US" dirty="0"/>
           </a:p>
@@ -1355,7 +1356,7 @@
           <a:p>
             <a:fld id="{97669AF7-7BEB-44E4-9852-375E34362B5B}" type="datetime1">
               <a:rPr lang="en-US" smtClean="0"/>
-              <a:t>6/19/2021</a:t>
+              <a:t>6/25/2021</a:t>
             </a:fld>
             <a:endParaRPr lang="en-US" dirty="0"/>
           </a:p>
@@ -1610,7 +1611,7 @@
           <a:p>
             <a:fld id="{BAAAC38D-0552-4C82-B593-E6124DFADBE2}" type="datetime1">
               <a:rPr lang="en-US" smtClean="0"/>
-              <a:t>6/19/2021</a:t>
+              <a:t>6/25/2021</a:t>
             </a:fld>
             <a:endParaRPr lang="en-US" dirty="0"/>
           </a:p>
@@ -2007,7 +2008,7 @@
           <a:p>
             <a:fld id="{D9DF0F1C-5577-4ACB-BB62-DF8F3C494C7E}" type="datetime1">
               <a:rPr lang="en-US" smtClean="0"/>
-              <a:t>6/19/2021</a:t>
+              <a:t>6/25/2021</a:t>
             </a:fld>
             <a:endParaRPr lang="en-US" dirty="0"/>
           </a:p>
@@ -2143,7 +2144,7 @@
           <a:p>
             <a:fld id="{1775B394-D9F9-4F0C-B15D-605F45CB9E9F}" type="datetime1">
               <a:rPr lang="en-US" smtClean="0"/>
-              <a:t>6/19/2021</a:t>
+              <a:t>6/25/2021</a:t>
             </a:fld>
             <a:endParaRPr lang="en-US" dirty="0"/>
           </a:p>
@@ -2300,7 +2301,7 @@
           <a:p>
             <a:fld id="{39667345-2558-425A-8533-9BFDBCE15005}" type="datetime1">
               <a:rPr lang="en-US" smtClean="0"/>
-              <a:t>6/19/2021</a:t>
+              <a:t>6/25/2021</a:t>
             </a:fld>
             <a:endParaRPr lang="en-US" dirty="0"/>
           </a:p>
@@ -2629,7 +2630,7 @@
           <a:p>
             <a:fld id="{92BEA474-078D-4E9B-9B14-09A87B19DC46}" type="datetime1">
               <a:rPr lang="en-US" smtClean="0"/>
-              <a:t>6/19/2021</a:t>
+              <a:t>6/25/2021</a:t>
             </a:fld>
             <a:endParaRPr lang="en-US" dirty="0"/>
           </a:p>
@@ -2979,7 +2980,7 @@
           <a:p>
             <a:fld id="{4907D986-8816-4272-A432-0437A28A9828}" type="datetime1">
               <a:rPr lang="en-US" smtClean="0"/>
-              <a:t>6/19/2021</a:t>
+              <a:t>6/25/2021</a:t>
             </a:fld>
             <a:endParaRPr lang="en-US" dirty="0"/>
           </a:p>
@@ -3240,7 +3241,7 @@
           <a:p>
             <a:fld id="{62D6E202-B606-4609-B914-27C9371A1F6D}" type="datetime1">
               <a:rPr lang="en-US" smtClean="0"/>
-              <a:t>6/19/2021</a:t>
+              <a:t>6/25/2021</a:t>
             </a:fld>
             <a:endParaRPr lang="en-US" dirty="0"/>
           </a:p>
@@ -4028,6 +4029,64 @@
 </p:sld>
 </file>
 
+<file path=ppt/slides/slide10.xml><?xml version="1.0" encoding="utf-8"?>
+<p:sld xmlns:a="http://schemas.openxmlformats.org/drawingml/2006/main" xmlns:r="http://schemas.openxmlformats.org/officeDocument/2006/relationships" xmlns:p="http://schemas.openxmlformats.org/presentationml/2006/main">
+  <p:cSld>
+    <p:spTree>
+      <p:nvGrpSpPr>
+        <p:cNvPr id="1" name=""/>
+        <p:cNvGrpSpPr/>
+        <p:nvPr/>
+      </p:nvGrpSpPr>
+      <p:grpSpPr>
+        <a:xfrm>
+          <a:off x="0" y="0"/>
+          <a:ext cx="0" cy="0"/>
+          <a:chOff x="0" y="0"/>
+          <a:chExt cx="0" cy="0"/>
+        </a:xfrm>
+      </p:grpSpPr>
+      <p:sp>
+        <p:nvSpPr>
+          <p:cNvPr id="2" name="Title 1">
+            <a:extLst>
+              <a:ext uri="{FF2B5EF4-FFF2-40B4-BE49-F238E27FC236}">
+                <a16:creationId xmlns:a16="http://schemas.microsoft.com/office/drawing/2014/main" id="{D58BD126-D5B7-4B64-99F5-ED5C6E81A771}"/>
+              </a:ext>
+            </a:extLst>
+          </p:cNvPr>
+          <p:cNvSpPr>
+            <a:spLocks noGrp="1"/>
+          </p:cNvSpPr>
+          <p:nvPr>
+            <p:ph type="ctrTitle"/>
+          </p:nvPr>
+        </p:nvSpPr>
+        <p:spPr/>
+        <p:txBody>
+          <a:bodyPr/>
+          <a:lstStyle/>
+          <a:p>
+            <a:r>
+              <a:rPr lang="en-US" dirty="0"/>
+              <a:t>THANK YOU</a:t>
+            </a:r>
+          </a:p>
+        </p:txBody>
+      </p:sp>
+    </p:spTree>
+    <p:extLst>
+      <p:ext uri="{BB962C8B-B14F-4D97-AF65-F5344CB8AC3E}">
+        <p14:creationId xmlns:p14="http://schemas.microsoft.com/office/powerpoint/2010/main" val="1331187967"/>
+      </p:ext>
+    </p:extLst>
+  </p:cSld>
+  <p:clrMapOvr>
+    <a:masterClrMapping/>
+  </p:clrMapOvr>
+</p:sld>
+</file>
+
 <file path=ppt/slides/slide2.xml><?xml version="1.0" encoding="utf-8"?>
 <p:sld xmlns:a="http://schemas.openxmlformats.org/drawingml/2006/main" xmlns:r="http://schemas.openxmlformats.org/officeDocument/2006/relationships" xmlns:p="http://schemas.openxmlformats.org/presentationml/2006/main">
   <p:cSld>
@@ -8463,7 +8522,7 @@
         </p:blipFill>
         <p:spPr>
           <a:xfrm>
-            <a:off x="4507705" y="2693194"/>
+            <a:off x="4507705" y="2788561"/>
             <a:ext cx="3767175" cy="2750344"/>
           </a:xfrm>
           <a:prstGeom prst="rect">
@@ -8473,17 +8532,19 @@
       </p:pic>
       <p:pic>
         <p:nvPicPr>
-          <p:cNvPr id="14" name="Picture 13">
+          <p:cNvPr id="6" name="Content Placeholder 11">
             <a:extLst>
               <a:ext uri="{FF2B5EF4-FFF2-40B4-BE49-F238E27FC236}">
-                <a16:creationId xmlns:a16="http://schemas.microsoft.com/office/drawing/2014/main" id="{63D98EAA-8A63-432F-A690-DB78C70E036C}"/>
+                <a16:creationId xmlns:a16="http://schemas.microsoft.com/office/drawing/2014/main" id="{DAE265B4-EAD5-4AEF-9E7E-D2800C0C45C0}"/>
               </a:ext>
             </a:extLst>
           </p:cNvPr>
           <p:cNvPicPr>
-            <a:picLocks noChangeAspect="1"/>
+            <a:picLocks noGrp="1" noChangeAspect="1"/>
           </p:cNvPicPr>
-          <p:nvPr/>
+          <p:nvPr>
+            <p:ph sz="half" idx="2"/>
+          </p:nvPr>
         </p:nvPicPr>
         <p:blipFill>
           <a:blip r:embed="rId3"/>
@@ -8493,8 +8554,8 @@
         </p:blipFill>
         <p:spPr>
           <a:xfrm>
-            <a:off x="8274880" y="2767576"/>
-            <a:ext cx="3782301" cy="2761387"/>
+            <a:off x="8274880" y="3096267"/>
+            <a:ext cx="3767176" cy="2237198"/>
           </a:xfrm>
           <a:prstGeom prst="rect">
             <a:avLst/>
@@ -9420,7 +9481,7 @@
           <a:p>
             <a:r>
               <a:rPr lang="en-US" dirty="0"/>
-              <a:t>** No Data Available for North Dakota</a:t>
+              <a:t>** No Data Available for South Dakota</a:t>
             </a:r>
           </a:p>
         </p:txBody>
@@ -9476,10 +9537,10 @@
       </p:sp>
       <p:pic>
         <p:nvPicPr>
-          <p:cNvPr id="16" name="Content Placeholder 15">
+          <p:cNvPr id="20" name="Content Placeholder 19">
             <a:extLst>
               <a:ext uri="{FF2B5EF4-FFF2-40B4-BE49-F238E27FC236}">
-                <a16:creationId xmlns:a16="http://schemas.microsoft.com/office/drawing/2014/main" id="{AA948774-6C97-441A-9404-139175359038}"/>
+                <a16:creationId xmlns:a16="http://schemas.microsoft.com/office/drawing/2014/main" id="{DD831D9A-58B8-47F6-80FA-28928A11C934}"/>
               </a:ext>
             </a:extLst>
           </p:cNvPr>
@@ -9498,8 +9559,8 @@
         </p:blipFill>
         <p:spPr>
           <a:xfrm>
-            <a:off x="2819820" y="2058690"/>
-            <a:ext cx="5516367" cy="3437735"/>
+            <a:off x="2606646" y="2215878"/>
+            <a:ext cx="5748239" cy="3462064"/>
           </a:xfrm>
           <a:prstGeom prst="rect">
             <a:avLst/>

--- a/DS6306_CaseStudy01.pptx
+++ b/DS6306_CaseStudy01.pptx
@@ -15,6 +15,7 @@
     <p:sldId id="266" r:id="rId9"/>
     <p:sldId id="267" r:id="rId10"/>
     <p:sldId id="269" r:id="rId11"/>
+    <p:sldId id="270" r:id="rId12"/>
   </p:sldIdLst>
   <p:sldSz cx="12192000" cy="6858000"/>
   <p:notesSz cx="6858000" cy="9144000"/>
@@ -4087,6 +4088,92 @@
 </p:sld>
 </file>
 
+<file path=ppt/slides/slide11.xml><?xml version="1.0" encoding="utf-8"?>
+<p:sld xmlns:a="http://schemas.openxmlformats.org/drawingml/2006/main" xmlns:r="http://schemas.openxmlformats.org/officeDocument/2006/relationships" xmlns:p="http://schemas.openxmlformats.org/presentationml/2006/main">
+  <p:cSld>
+    <p:spTree>
+      <p:nvGrpSpPr>
+        <p:cNvPr id="1" name=""/>
+        <p:cNvGrpSpPr/>
+        <p:nvPr/>
+      </p:nvGrpSpPr>
+      <p:grpSpPr>
+        <a:xfrm>
+          <a:off x="0" y="0"/>
+          <a:ext cx="0" cy="0"/>
+          <a:chOff x="0" y="0"/>
+          <a:chExt cx="0" cy="0"/>
+        </a:xfrm>
+      </p:grpSpPr>
+      <p:sp>
+        <p:nvSpPr>
+          <p:cNvPr id="2" name="Title 1">
+            <a:extLst>
+              <a:ext uri="{FF2B5EF4-FFF2-40B4-BE49-F238E27FC236}">
+                <a16:creationId xmlns:a16="http://schemas.microsoft.com/office/drawing/2014/main" id="{4733225F-1605-4F38-9112-84DA148860D4}"/>
+              </a:ext>
+            </a:extLst>
+          </p:cNvPr>
+          <p:cNvSpPr>
+            <a:spLocks noGrp="1"/>
+          </p:cNvSpPr>
+          <p:nvPr>
+            <p:ph type="title"/>
+          </p:nvPr>
+        </p:nvSpPr>
+        <p:spPr/>
+        <p:txBody>
+          <a:bodyPr/>
+          <a:lstStyle/>
+          <a:p>
+            <a:r>
+              <a:rPr lang="en-US" dirty="0"/>
+              <a:t>Video Link</a:t>
+            </a:r>
+          </a:p>
+        </p:txBody>
+      </p:sp>
+      <p:sp>
+        <p:nvSpPr>
+          <p:cNvPr id="3" name="Content Placeholder 2">
+            <a:extLst>
+              <a:ext uri="{FF2B5EF4-FFF2-40B4-BE49-F238E27FC236}">
+                <a16:creationId xmlns:a16="http://schemas.microsoft.com/office/drawing/2014/main" id="{F9AD54C4-B633-461E-824C-F4D0D2852A74}"/>
+              </a:ext>
+            </a:extLst>
+          </p:cNvPr>
+          <p:cNvSpPr>
+            <a:spLocks noGrp="1"/>
+          </p:cNvSpPr>
+          <p:nvPr>
+            <p:ph idx="1"/>
+          </p:nvPr>
+        </p:nvSpPr>
+        <p:spPr/>
+        <p:txBody>
+          <a:bodyPr/>
+          <a:lstStyle/>
+          <a:p>
+            <a:r>
+              <a:rPr lang="en-US" dirty="0"/>
+              <a:t>https://youtu.be/EjJWXfCvn78</a:t>
+            </a:r>
+          </a:p>
+        </p:txBody>
+      </p:sp>
+    </p:spTree>
+    <p:extLst>
+      <p:ext uri="{BB962C8B-B14F-4D97-AF65-F5344CB8AC3E}">
+        <p14:creationId xmlns:p14="http://schemas.microsoft.com/office/powerpoint/2010/main" val="3389639551"/>
+      </p:ext>
+    </p:extLst>
+  </p:cSld>
+  <p:clrMapOvr>
+    <a:masterClrMapping/>
+  </p:clrMapOvr>
+</p:sld>
+</file>
+
 <file path=ppt/slides/slide2.xml><?xml version="1.0" encoding="utf-8"?>
 <p:sld xmlns:a="http://schemas.openxmlformats.org/drawingml/2006/main" xmlns:r="http://schemas.openxmlformats.org/officeDocument/2006/relationships" xmlns:p="http://schemas.openxmlformats.org/presentationml/2006/main">
   <p:cSld>
